--- a/ApresentacaoAula30-05.pptx
+++ b/ApresentacaoAula30-05.pptx
@@ -6001,15 +6001,7 @@
                   <a:schemeClr val="accent1"/>
                 </a:solidFill>
               </a:rPr>
-              <a:t> </a:t>
-            </a:r>
-            <a:r>
-              <a:rPr lang="en-US" sz="1200" dirty="0" smtClean="0">
-                <a:solidFill>
-                  <a:schemeClr val="accent1"/>
-                </a:solidFill>
-              </a:rPr>
-              <a:t>– </a:t>
+              <a:t> – </a:t>
             </a:r>
             <a:r>
               <a:rPr lang="pt-PT" sz="1200" dirty="0" smtClean="0">
@@ -6126,15 +6118,7 @@
                   <a:schemeClr val="accent2"/>
                 </a:solidFill>
               </a:rPr>
-              <a:t>30</a:t>
-            </a:r>
-            <a:r>
-              <a:rPr lang="pt-PT" sz="1200" b="1" dirty="0" smtClean="0">
-                <a:solidFill>
-                  <a:schemeClr val="accent2"/>
-                </a:solidFill>
-              </a:rPr>
-              <a:t>-05-2014</a:t>
+              <a:t>30-05-2014</a:t>
             </a:r>
             <a:endParaRPr lang="pt-PT" sz="1200" b="1" dirty="0">
               <a:solidFill>
@@ -8241,7 +8225,11 @@
             </a:r>
             <a:r>
               <a:rPr lang="pt-PT" sz="4000" dirty="0" smtClean="0"/>
-              <a:t>: Escolher Disciplina</a:t>
+              <a:t>: Escolher </a:t>
+            </a:r>
+            <a:r>
+              <a:rPr lang="pt-PT" sz="4000" dirty="0" smtClean="0"/>
+              <a:t>Tipo de Teste</a:t>
             </a:r>
             <a:endParaRPr lang="pt-PT" sz="4000" dirty="0"/>
           </a:p>
@@ -9128,11 +9116,7 @@
             </a:r>
             <a:r>
               <a:rPr lang="pt-PT" sz="4000" dirty="0" smtClean="0"/>
-              <a:t>: </a:t>
-            </a:r>
-            <a:r>
-              <a:rPr lang="pt-PT" sz="4000" dirty="0" smtClean="0"/>
-              <a:t>Teste Palavras</a:t>
+              <a:t>: Teste Palavras</a:t>
             </a:r>
             <a:endParaRPr lang="pt-PT" sz="4000" dirty="0"/>
           </a:p>
@@ -9574,11 +9558,7 @@
             </a:r>
             <a:r>
               <a:rPr lang="pt-PT" sz="4000" dirty="0" smtClean="0"/>
-              <a:t>: </a:t>
-            </a:r>
-            <a:r>
-              <a:rPr lang="pt-PT" sz="4000" dirty="0" smtClean="0"/>
-              <a:t>Resumo do teste</a:t>
+              <a:t>: Resumo do teste</a:t>
             </a:r>
             <a:endParaRPr lang="pt-PT" sz="4000" dirty="0"/>
           </a:p>
@@ -10020,7 +10000,15 @@
             </a:r>
             <a:r>
               <a:rPr lang="pt-PT" sz="4000" dirty="0" smtClean="0"/>
-              <a:t>: Executar teste leitura de texto </a:t>
+              <a:t>: Executar teste </a:t>
+            </a:r>
+            <a:r>
+              <a:rPr lang="pt-PT" sz="4000" dirty="0" smtClean="0"/>
+              <a:t>de </a:t>
+            </a:r>
+            <a:r>
+              <a:rPr lang="pt-PT" sz="4000" dirty="0" smtClean="0"/>
+              <a:t>texto </a:t>
             </a:r>
             <a:endParaRPr lang="pt-PT" sz="4000" dirty="0"/>
           </a:p>
@@ -10501,7 +10489,11 @@
             </a:r>
             <a:r>
               <a:rPr lang="pt-PT" sz="4000" dirty="0" smtClean="0"/>
-              <a:t>: Executar teste leitura poema</a:t>
+              <a:t>: Executar </a:t>
+            </a:r>
+            <a:r>
+              <a:rPr lang="pt-PT" sz="4000" dirty="0" smtClean="0"/>
+              <a:t>teste poema</a:t>
             </a:r>
             <a:endParaRPr lang="pt-PT" sz="4000" dirty="0"/>
           </a:p>
@@ -10567,8 +10559,8 @@
         </p:blipFill>
         <p:spPr>
           <a:xfrm>
-            <a:off x="5102087" y="636104"/>
-            <a:ext cx="3591339" cy="4810540"/>
+            <a:off x="5102087" y="636103"/>
+            <a:ext cx="3591339" cy="5708283"/>
           </a:xfrm>
           <a:prstGeom prst="rect">
             <a:avLst/>
@@ -10938,6 +10930,13 @@
   <p:clrMapOvr>
     <a:masterClrMapping/>
   </p:clrMapOvr>
+  <p:timing>
+    <p:tnLst>
+      <p:par>
+        <p:cTn id="1" dur="indefinite" restart="never" nodeType="tmRoot"/>
+      </p:par>
+    </p:tnLst>
+  </p:timing>
 </p:sld>
 </file>
 
@@ -11250,15 +11249,15 @@
             </a:r>
             <a:r>
               <a:rPr lang="pt-PT" sz="4000" dirty="0" smtClean="0"/>
-              <a:t>: </a:t>
-            </a:r>
-            <a:r>
-              <a:rPr lang="pt-PT" sz="4000" dirty="0" smtClean="0"/>
-              <a:t>Teste </a:t>
+              <a:t>: Teste </a:t>
             </a:r>
             <a:r>
               <a:rPr lang="pt-PT" sz="4000" dirty="0" err="1" smtClean="0"/>
               <a:t>Multimedia</a:t>
+            </a:r>
+            <a:r>
+              <a:rPr lang="pt-PT" sz="4000" dirty="0" smtClean="0"/>
+              <a:t> (Imagens)</a:t>
             </a:r>
             <a:endParaRPr lang="pt-PT" sz="4000" dirty="0"/>
           </a:p>
@@ -11661,11 +11660,7 @@
             </a:r>
             <a:r>
               <a:rPr lang="pt-PT" sz="4000" dirty="0" smtClean="0"/>
-              <a:t>: </a:t>
-            </a:r>
-            <a:r>
-              <a:rPr lang="pt-PT" sz="4000" dirty="0" smtClean="0"/>
-              <a:t>Teste </a:t>
+              <a:t>: Teste </a:t>
             </a:r>
             <a:r>
               <a:rPr lang="pt-PT" sz="4000" dirty="0" err="1" smtClean="0"/>
@@ -11812,278 +11807,6 @@
       </p:pic>
       <p:sp>
         <p:nvSpPr>
-          <p:cNvPr id="5" name="Subtitle 2"/>
-          <p:cNvSpPr txBox="1">
-            <a:spLocks/>
-          </p:cNvSpPr>
-          <p:nvPr/>
-        </p:nvSpPr>
-        <p:spPr>
-          <a:xfrm>
-            <a:off x="-1" y="225625"/>
-            <a:ext cx="12192001" cy="795647"/>
-          </a:xfrm>
-          <a:prstGeom prst="rect">
-            <a:avLst/>
-          </a:prstGeom>
-          <a:solidFill>
-            <a:schemeClr val="accent1"/>
-          </a:solidFill>
-        </p:spPr>
-        <p:txBody>
-          <a:bodyPr vert="horz" lIns="91440" tIns="45720" rIns="91440" bIns="45720" rtlCol="0">
-            <a:normAutofit/>
-          </a:bodyPr>
-          <a:lstStyle>
-            <a:lvl1pPr marL="342900" indent="-342900" algn="l" defTabSz="457200" rtl="0" eaLnBrk="1" latinLnBrk="0" hangingPunct="1">
-              <a:spcBef>
-                <a:spcPts val="1000"/>
-              </a:spcBef>
-              <a:spcAft>
-                <a:spcPts val="0"/>
-              </a:spcAft>
-              <a:buClr>
-                <a:schemeClr val="accent1"/>
-              </a:buClr>
-              <a:buSzPct val="80000"/>
-              <a:buFont typeface="Wingdings 3" charset="2"/>
-              <a:buChar char=""/>
-              <a:defRPr sz="1800" kern="1200">
-                <a:solidFill>
-                  <a:schemeClr val="tx1">
-                    <a:lumMod val="75000"/>
-                    <a:lumOff val="25000"/>
-                  </a:schemeClr>
-                </a:solidFill>
-                <a:latin typeface="+mn-lt"/>
-                <a:ea typeface="+mn-ea"/>
-                <a:cs typeface="+mn-cs"/>
-              </a:defRPr>
-            </a:lvl1pPr>
-            <a:lvl2pPr marL="742950" indent="-285750" algn="l" defTabSz="457200" rtl="0" eaLnBrk="1" latinLnBrk="0" hangingPunct="1">
-              <a:spcBef>
-                <a:spcPts val="1000"/>
-              </a:spcBef>
-              <a:spcAft>
-                <a:spcPts val="0"/>
-              </a:spcAft>
-              <a:buClr>
-                <a:schemeClr val="accent1"/>
-              </a:buClr>
-              <a:buSzPct val="80000"/>
-              <a:buFont typeface="Wingdings 3" charset="2"/>
-              <a:buChar char=""/>
-              <a:defRPr sz="1600" kern="1200">
-                <a:solidFill>
-                  <a:schemeClr val="tx1">
-                    <a:lumMod val="75000"/>
-                    <a:lumOff val="25000"/>
-                  </a:schemeClr>
-                </a:solidFill>
-                <a:latin typeface="+mn-lt"/>
-                <a:ea typeface="+mn-ea"/>
-                <a:cs typeface="+mn-cs"/>
-              </a:defRPr>
-            </a:lvl2pPr>
-            <a:lvl3pPr marL="1143000" indent="-228600" algn="l" defTabSz="457200" rtl="0" eaLnBrk="1" latinLnBrk="0" hangingPunct="1">
-              <a:spcBef>
-                <a:spcPts val="1000"/>
-              </a:spcBef>
-              <a:spcAft>
-                <a:spcPts val="0"/>
-              </a:spcAft>
-              <a:buClr>
-                <a:schemeClr val="accent1"/>
-              </a:buClr>
-              <a:buSzPct val="80000"/>
-              <a:buFont typeface="Wingdings 3" charset="2"/>
-              <a:buChar char=""/>
-              <a:defRPr sz="1400" kern="1200">
-                <a:solidFill>
-                  <a:schemeClr val="tx1">
-                    <a:lumMod val="75000"/>
-                    <a:lumOff val="25000"/>
-                  </a:schemeClr>
-                </a:solidFill>
-                <a:latin typeface="+mn-lt"/>
-                <a:ea typeface="+mn-ea"/>
-                <a:cs typeface="+mn-cs"/>
-              </a:defRPr>
-            </a:lvl3pPr>
-            <a:lvl4pPr marL="1600200" indent="-228600" algn="l" defTabSz="457200" rtl="0" eaLnBrk="1" latinLnBrk="0" hangingPunct="1">
-              <a:spcBef>
-                <a:spcPts val="1000"/>
-              </a:spcBef>
-              <a:spcAft>
-                <a:spcPts val="0"/>
-              </a:spcAft>
-              <a:buClr>
-                <a:schemeClr val="accent1"/>
-              </a:buClr>
-              <a:buSzPct val="80000"/>
-              <a:buFont typeface="Wingdings 3" charset="2"/>
-              <a:buChar char=""/>
-              <a:defRPr sz="1200" kern="1200">
-                <a:solidFill>
-                  <a:schemeClr val="tx1">
-                    <a:lumMod val="75000"/>
-                    <a:lumOff val="25000"/>
-                  </a:schemeClr>
-                </a:solidFill>
-                <a:latin typeface="+mn-lt"/>
-                <a:ea typeface="+mn-ea"/>
-                <a:cs typeface="+mn-cs"/>
-              </a:defRPr>
-            </a:lvl4pPr>
-            <a:lvl5pPr marL="2057400" indent="-228600" algn="l" defTabSz="457200" rtl="0" eaLnBrk="1" latinLnBrk="0" hangingPunct="1">
-              <a:spcBef>
-                <a:spcPts val="1000"/>
-              </a:spcBef>
-              <a:spcAft>
-                <a:spcPts val="0"/>
-              </a:spcAft>
-              <a:buClr>
-                <a:schemeClr val="accent1"/>
-              </a:buClr>
-              <a:buSzPct val="80000"/>
-              <a:buFont typeface="Wingdings 3" charset="2"/>
-              <a:buChar char=""/>
-              <a:defRPr sz="1200" kern="1200">
-                <a:solidFill>
-                  <a:schemeClr val="tx1">
-                    <a:lumMod val="75000"/>
-                    <a:lumOff val="25000"/>
-                  </a:schemeClr>
-                </a:solidFill>
-                <a:latin typeface="+mn-lt"/>
-                <a:ea typeface="+mn-ea"/>
-                <a:cs typeface="+mn-cs"/>
-              </a:defRPr>
-            </a:lvl5pPr>
-            <a:lvl6pPr marL="2514600" indent="-228600" algn="l" defTabSz="457200" rtl="0" eaLnBrk="1" latinLnBrk="0" hangingPunct="1">
-              <a:spcBef>
-                <a:spcPts val="1000"/>
-              </a:spcBef>
-              <a:spcAft>
-                <a:spcPts val="0"/>
-              </a:spcAft>
-              <a:buClr>
-                <a:schemeClr val="accent1"/>
-              </a:buClr>
-              <a:buSzPct val="80000"/>
-              <a:buFont typeface="Wingdings 3" charset="2"/>
-              <a:buChar char=""/>
-              <a:defRPr sz="1200" kern="1200">
-                <a:solidFill>
-                  <a:schemeClr val="tx1">
-                    <a:lumMod val="75000"/>
-                    <a:lumOff val="25000"/>
-                  </a:schemeClr>
-                </a:solidFill>
-                <a:latin typeface="+mn-lt"/>
-                <a:ea typeface="+mn-ea"/>
-                <a:cs typeface="+mn-cs"/>
-              </a:defRPr>
-            </a:lvl6pPr>
-            <a:lvl7pPr marL="2971800" indent="-228600" algn="l" defTabSz="457200" rtl="0" eaLnBrk="1" latinLnBrk="0" hangingPunct="1">
-              <a:spcBef>
-                <a:spcPts val="1000"/>
-              </a:spcBef>
-              <a:spcAft>
-                <a:spcPts val="0"/>
-              </a:spcAft>
-              <a:buClr>
-                <a:schemeClr val="accent1"/>
-              </a:buClr>
-              <a:buSzPct val="80000"/>
-              <a:buFont typeface="Wingdings 3" charset="2"/>
-              <a:buChar char=""/>
-              <a:defRPr sz="1200" kern="1200">
-                <a:solidFill>
-                  <a:schemeClr val="tx1">
-                    <a:lumMod val="75000"/>
-                    <a:lumOff val="25000"/>
-                  </a:schemeClr>
-                </a:solidFill>
-                <a:latin typeface="+mn-lt"/>
-                <a:ea typeface="+mn-ea"/>
-                <a:cs typeface="+mn-cs"/>
-              </a:defRPr>
-            </a:lvl7pPr>
-            <a:lvl8pPr marL="3429000" indent="-228600" algn="l" defTabSz="457200" rtl="0" eaLnBrk="1" latinLnBrk="0" hangingPunct="1">
-              <a:spcBef>
-                <a:spcPts val="1000"/>
-              </a:spcBef>
-              <a:spcAft>
-                <a:spcPts val="0"/>
-              </a:spcAft>
-              <a:buClr>
-                <a:schemeClr val="accent1"/>
-              </a:buClr>
-              <a:buSzPct val="80000"/>
-              <a:buFont typeface="Wingdings 3" charset="2"/>
-              <a:buChar char=""/>
-              <a:defRPr sz="1200" kern="1200">
-                <a:solidFill>
-                  <a:schemeClr val="tx1">
-                    <a:lumMod val="75000"/>
-                    <a:lumOff val="25000"/>
-                  </a:schemeClr>
-                </a:solidFill>
-                <a:latin typeface="+mn-lt"/>
-                <a:ea typeface="+mn-ea"/>
-                <a:cs typeface="+mn-cs"/>
-              </a:defRPr>
-            </a:lvl8pPr>
-            <a:lvl9pPr marL="3886200" indent="-228600" algn="l" defTabSz="457200" rtl="0" eaLnBrk="1" latinLnBrk="0" hangingPunct="1">
-              <a:spcBef>
-                <a:spcPts val="1000"/>
-              </a:spcBef>
-              <a:spcAft>
-                <a:spcPts val="0"/>
-              </a:spcAft>
-              <a:buClr>
-                <a:schemeClr val="accent1"/>
-              </a:buClr>
-              <a:buSzPct val="80000"/>
-              <a:buFont typeface="Wingdings 3" charset="2"/>
-              <a:buChar char=""/>
-              <a:defRPr sz="1200" kern="1200">
-                <a:solidFill>
-                  <a:schemeClr val="tx1">
-                    <a:lumMod val="75000"/>
-                    <a:lumOff val="25000"/>
-                  </a:schemeClr>
-                </a:solidFill>
-                <a:latin typeface="+mn-lt"/>
-                <a:ea typeface="+mn-ea"/>
-                <a:cs typeface="+mn-cs"/>
-              </a:defRPr>
-            </a:lvl9pPr>
-          </a:lstStyle>
-          <a:p>
-            <a:r>
-              <a:rPr lang="pt-PT" sz="4000" dirty="0" smtClean="0"/>
-              <a:t> Layouts da </a:t>
-            </a:r>
-            <a:r>
-              <a:rPr lang="pt-PT" sz="4000" dirty="0" err="1" smtClean="0"/>
-              <a:t>App</a:t>
-            </a:r>
-            <a:r>
-              <a:rPr lang="pt-PT" sz="4000" dirty="0" smtClean="0"/>
-              <a:t>: </a:t>
-            </a:r>
-            <a:r>
-              <a:rPr lang="pt-PT" sz="4000" dirty="0" smtClean="0"/>
-              <a:t>Escolher Teste a Corrigir</a:t>
-            </a:r>
-            <a:endParaRPr lang="pt-PT" sz="4000" dirty="0"/>
-          </a:p>
-        </p:txBody>
-      </p:sp>
-      <p:sp>
-        <p:nvSpPr>
           <p:cNvPr id="4" name="CaixaDeTexto 5"/>
           <p:cNvSpPr txBox="1"/>
           <p:nvPr/>
@@ -12150,6 +11873,282 @@
           </a:prstGeom>
         </p:spPr>
       </p:pic>
+      <p:sp>
+        <p:nvSpPr>
+          <p:cNvPr id="6" name="Subtitle 2"/>
+          <p:cNvSpPr txBox="1">
+            <a:spLocks/>
+          </p:cNvSpPr>
+          <p:nvPr/>
+        </p:nvSpPr>
+        <p:spPr>
+          <a:xfrm>
+            <a:off x="-1" y="225625"/>
+            <a:ext cx="12192001" cy="795647"/>
+          </a:xfrm>
+          <a:prstGeom prst="rect">
+            <a:avLst/>
+          </a:prstGeom>
+          <a:solidFill>
+            <a:schemeClr val="accent1"/>
+          </a:solidFill>
+        </p:spPr>
+        <p:txBody>
+          <a:bodyPr vert="horz" lIns="91440" tIns="45720" rIns="91440" bIns="45720" rtlCol="0">
+            <a:normAutofit/>
+          </a:bodyPr>
+          <a:lstStyle>
+            <a:lvl1pPr marL="342900" indent="-342900" algn="l" defTabSz="457200" rtl="0" eaLnBrk="1" latinLnBrk="0" hangingPunct="1">
+              <a:spcBef>
+                <a:spcPts val="1000"/>
+              </a:spcBef>
+              <a:spcAft>
+                <a:spcPts val="0"/>
+              </a:spcAft>
+              <a:buClr>
+                <a:schemeClr val="accent1"/>
+              </a:buClr>
+              <a:buSzPct val="80000"/>
+              <a:buFont typeface="Wingdings 3" charset="2"/>
+              <a:buChar char=""/>
+              <a:defRPr sz="1800" kern="1200">
+                <a:solidFill>
+                  <a:schemeClr val="tx1">
+                    <a:lumMod val="75000"/>
+                    <a:lumOff val="25000"/>
+                  </a:schemeClr>
+                </a:solidFill>
+                <a:latin typeface="+mn-lt"/>
+                <a:ea typeface="+mn-ea"/>
+                <a:cs typeface="+mn-cs"/>
+              </a:defRPr>
+            </a:lvl1pPr>
+            <a:lvl2pPr marL="742950" indent="-285750" algn="l" defTabSz="457200" rtl="0" eaLnBrk="1" latinLnBrk="0" hangingPunct="1">
+              <a:spcBef>
+                <a:spcPts val="1000"/>
+              </a:spcBef>
+              <a:spcAft>
+                <a:spcPts val="0"/>
+              </a:spcAft>
+              <a:buClr>
+                <a:schemeClr val="accent1"/>
+              </a:buClr>
+              <a:buSzPct val="80000"/>
+              <a:buFont typeface="Wingdings 3" charset="2"/>
+              <a:buChar char=""/>
+              <a:defRPr sz="1600" kern="1200">
+                <a:solidFill>
+                  <a:schemeClr val="tx1">
+                    <a:lumMod val="75000"/>
+                    <a:lumOff val="25000"/>
+                  </a:schemeClr>
+                </a:solidFill>
+                <a:latin typeface="+mn-lt"/>
+                <a:ea typeface="+mn-ea"/>
+                <a:cs typeface="+mn-cs"/>
+              </a:defRPr>
+            </a:lvl2pPr>
+            <a:lvl3pPr marL="1143000" indent="-228600" algn="l" defTabSz="457200" rtl="0" eaLnBrk="1" latinLnBrk="0" hangingPunct="1">
+              <a:spcBef>
+                <a:spcPts val="1000"/>
+              </a:spcBef>
+              <a:spcAft>
+                <a:spcPts val="0"/>
+              </a:spcAft>
+              <a:buClr>
+                <a:schemeClr val="accent1"/>
+              </a:buClr>
+              <a:buSzPct val="80000"/>
+              <a:buFont typeface="Wingdings 3" charset="2"/>
+              <a:buChar char=""/>
+              <a:defRPr sz="1400" kern="1200">
+                <a:solidFill>
+                  <a:schemeClr val="tx1">
+                    <a:lumMod val="75000"/>
+                    <a:lumOff val="25000"/>
+                  </a:schemeClr>
+                </a:solidFill>
+                <a:latin typeface="+mn-lt"/>
+                <a:ea typeface="+mn-ea"/>
+                <a:cs typeface="+mn-cs"/>
+              </a:defRPr>
+            </a:lvl3pPr>
+            <a:lvl4pPr marL="1600200" indent="-228600" algn="l" defTabSz="457200" rtl="0" eaLnBrk="1" latinLnBrk="0" hangingPunct="1">
+              <a:spcBef>
+                <a:spcPts val="1000"/>
+              </a:spcBef>
+              <a:spcAft>
+                <a:spcPts val="0"/>
+              </a:spcAft>
+              <a:buClr>
+                <a:schemeClr val="accent1"/>
+              </a:buClr>
+              <a:buSzPct val="80000"/>
+              <a:buFont typeface="Wingdings 3" charset="2"/>
+              <a:buChar char=""/>
+              <a:defRPr sz="1200" kern="1200">
+                <a:solidFill>
+                  <a:schemeClr val="tx1">
+                    <a:lumMod val="75000"/>
+                    <a:lumOff val="25000"/>
+                  </a:schemeClr>
+                </a:solidFill>
+                <a:latin typeface="+mn-lt"/>
+                <a:ea typeface="+mn-ea"/>
+                <a:cs typeface="+mn-cs"/>
+              </a:defRPr>
+            </a:lvl4pPr>
+            <a:lvl5pPr marL="2057400" indent="-228600" algn="l" defTabSz="457200" rtl="0" eaLnBrk="1" latinLnBrk="0" hangingPunct="1">
+              <a:spcBef>
+                <a:spcPts val="1000"/>
+              </a:spcBef>
+              <a:spcAft>
+                <a:spcPts val="0"/>
+              </a:spcAft>
+              <a:buClr>
+                <a:schemeClr val="accent1"/>
+              </a:buClr>
+              <a:buSzPct val="80000"/>
+              <a:buFont typeface="Wingdings 3" charset="2"/>
+              <a:buChar char=""/>
+              <a:defRPr sz="1200" kern="1200">
+                <a:solidFill>
+                  <a:schemeClr val="tx1">
+                    <a:lumMod val="75000"/>
+                    <a:lumOff val="25000"/>
+                  </a:schemeClr>
+                </a:solidFill>
+                <a:latin typeface="+mn-lt"/>
+                <a:ea typeface="+mn-ea"/>
+                <a:cs typeface="+mn-cs"/>
+              </a:defRPr>
+            </a:lvl5pPr>
+            <a:lvl6pPr marL="2514600" indent="-228600" algn="l" defTabSz="457200" rtl="0" eaLnBrk="1" latinLnBrk="0" hangingPunct="1">
+              <a:spcBef>
+                <a:spcPts val="1000"/>
+              </a:spcBef>
+              <a:spcAft>
+                <a:spcPts val="0"/>
+              </a:spcAft>
+              <a:buClr>
+                <a:schemeClr val="accent1"/>
+              </a:buClr>
+              <a:buSzPct val="80000"/>
+              <a:buFont typeface="Wingdings 3" charset="2"/>
+              <a:buChar char=""/>
+              <a:defRPr sz="1200" kern="1200">
+                <a:solidFill>
+                  <a:schemeClr val="tx1">
+                    <a:lumMod val="75000"/>
+                    <a:lumOff val="25000"/>
+                  </a:schemeClr>
+                </a:solidFill>
+                <a:latin typeface="+mn-lt"/>
+                <a:ea typeface="+mn-ea"/>
+                <a:cs typeface="+mn-cs"/>
+              </a:defRPr>
+            </a:lvl6pPr>
+            <a:lvl7pPr marL="2971800" indent="-228600" algn="l" defTabSz="457200" rtl="0" eaLnBrk="1" latinLnBrk="0" hangingPunct="1">
+              <a:spcBef>
+                <a:spcPts val="1000"/>
+              </a:spcBef>
+              <a:spcAft>
+                <a:spcPts val="0"/>
+              </a:spcAft>
+              <a:buClr>
+                <a:schemeClr val="accent1"/>
+              </a:buClr>
+              <a:buSzPct val="80000"/>
+              <a:buFont typeface="Wingdings 3" charset="2"/>
+              <a:buChar char=""/>
+              <a:defRPr sz="1200" kern="1200">
+                <a:solidFill>
+                  <a:schemeClr val="tx1">
+                    <a:lumMod val="75000"/>
+                    <a:lumOff val="25000"/>
+                  </a:schemeClr>
+                </a:solidFill>
+                <a:latin typeface="+mn-lt"/>
+                <a:ea typeface="+mn-ea"/>
+                <a:cs typeface="+mn-cs"/>
+              </a:defRPr>
+            </a:lvl7pPr>
+            <a:lvl8pPr marL="3429000" indent="-228600" algn="l" defTabSz="457200" rtl="0" eaLnBrk="1" latinLnBrk="0" hangingPunct="1">
+              <a:spcBef>
+                <a:spcPts val="1000"/>
+              </a:spcBef>
+              <a:spcAft>
+                <a:spcPts val="0"/>
+              </a:spcAft>
+              <a:buClr>
+                <a:schemeClr val="accent1"/>
+              </a:buClr>
+              <a:buSzPct val="80000"/>
+              <a:buFont typeface="Wingdings 3" charset="2"/>
+              <a:buChar char=""/>
+              <a:defRPr sz="1200" kern="1200">
+                <a:solidFill>
+                  <a:schemeClr val="tx1">
+                    <a:lumMod val="75000"/>
+                    <a:lumOff val="25000"/>
+                  </a:schemeClr>
+                </a:solidFill>
+                <a:latin typeface="+mn-lt"/>
+                <a:ea typeface="+mn-ea"/>
+                <a:cs typeface="+mn-cs"/>
+              </a:defRPr>
+            </a:lvl8pPr>
+            <a:lvl9pPr marL="3886200" indent="-228600" algn="l" defTabSz="457200" rtl="0" eaLnBrk="1" latinLnBrk="0" hangingPunct="1">
+              <a:spcBef>
+                <a:spcPts val="1000"/>
+              </a:spcBef>
+              <a:spcAft>
+                <a:spcPts val="0"/>
+              </a:spcAft>
+              <a:buClr>
+                <a:schemeClr val="accent1"/>
+              </a:buClr>
+              <a:buSzPct val="80000"/>
+              <a:buFont typeface="Wingdings 3" charset="2"/>
+              <a:buChar char=""/>
+              <a:defRPr sz="1200" kern="1200">
+                <a:solidFill>
+                  <a:schemeClr val="tx1">
+                    <a:lumMod val="75000"/>
+                    <a:lumOff val="25000"/>
+                  </a:schemeClr>
+                </a:solidFill>
+                <a:latin typeface="+mn-lt"/>
+                <a:ea typeface="+mn-ea"/>
+                <a:cs typeface="+mn-cs"/>
+              </a:defRPr>
+            </a:lvl9pPr>
+          </a:lstStyle>
+          <a:p>
+            <a:r>
+              <a:rPr lang="pt-PT" sz="4000" dirty="0" smtClean="0"/>
+              <a:t> Layouts da </a:t>
+            </a:r>
+            <a:r>
+              <a:rPr lang="pt-PT" sz="4000" dirty="0" err="1" smtClean="0"/>
+              <a:t>App</a:t>
+            </a:r>
+            <a:r>
+              <a:rPr lang="pt-PT" sz="4000" dirty="0" smtClean="0"/>
+              <a:t>: Teste </a:t>
+            </a:r>
+            <a:r>
+              <a:rPr lang="pt-PT" sz="4000" dirty="0" err="1" smtClean="0"/>
+              <a:t>Multimedia</a:t>
+            </a:r>
+            <a:r>
+              <a:rPr lang="pt-PT" sz="4000" dirty="0" smtClean="0"/>
+              <a:t> (Imagens)</a:t>
+            </a:r>
+            <a:endParaRPr lang="pt-PT" sz="4000" dirty="0"/>
+          </a:p>
+        </p:txBody>
+      </p:sp>
     </p:spTree>
     <p:extLst>
       <p:ext uri="{BB962C8B-B14F-4D97-AF65-F5344CB8AC3E}">
@@ -12479,11 +12478,11 @@
             </a:r>
             <a:r>
               <a:rPr lang="pt-PT" sz="4000" dirty="0" smtClean="0"/>
-              <a:t>: </a:t>
+              <a:t>: Corrigir um </a:t>
             </a:r>
             <a:r>
               <a:rPr lang="pt-PT" sz="4000" dirty="0" smtClean="0"/>
-              <a:t>Corrigir um Teste</a:t>
+              <a:t>Teste Texto</a:t>
             </a:r>
             <a:endParaRPr lang="pt-PT" sz="4000" dirty="0"/>
           </a:p>
@@ -13175,7 +13174,19 @@
           <a:p>
             <a:r>
               <a:rPr lang="pt-PT" sz="4000" dirty="0" smtClean="0"/>
-              <a:t> Dúvidas ?</a:t>
+              <a:t> </a:t>
+            </a:r>
+            <a:r>
+              <a:rPr lang="pt-PT" sz="4000" dirty="0" smtClean="0"/>
+              <a:t>Dúvidas ou </a:t>
+            </a:r>
+            <a:r>
+              <a:rPr lang="pt-PT" sz="4000" dirty="0" err="1" smtClean="0"/>
+              <a:t>Sujestões</a:t>
+            </a:r>
+            <a:r>
+              <a:rPr lang="pt-PT" sz="4000" dirty="0" smtClean="0"/>
+              <a:t>?</a:t>
             </a:r>
             <a:endParaRPr lang="pt-PT" sz="4000" dirty="0"/>
           </a:p>
@@ -13207,7 +13218,7 @@
         </p:blipFill>
         <p:spPr bwMode="auto">
           <a:xfrm>
-            <a:off x="4050030" y="362304"/>
+            <a:off x="4629578" y="813068"/>
             <a:ext cx="2716530" cy="5982083"/>
           </a:xfrm>
           <a:prstGeom prst="rect">
@@ -13393,6 +13404,13 @@
   <p:clrMapOvr>
     <a:masterClrMapping/>
   </p:clrMapOvr>
+  <p:timing>
+    <p:tnLst>
+      <p:par>
+        <p:cTn id="1" dur="indefinite" restart="never" nodeType="tmRoot"/>
+      </p:par>
+    </p:tnLst>
+  </p:timing>
 </p:sld>
 </file>
 
@@ -13586,6 +13604,13 @@
   <p:clrMapOvr>
     <a:masterClrMapping/>
   </p:clrMapOvr>
+  <p:timing>
+    <p:tnLst>
+      <p:par>
+        <p:cTn id="1" dur="indefinite" restart="never" nodeType="tmRoot"/>
+      </p:par>
+    </p:tnLst>
+  </p:timing>
 </p:sld>
 </file>
 
@@ -13687,6 +13712,13 @@
   <p:clrMapOvr>
     <a:masterClrMapping/>
   </p:clrMapOvr>
+  <p:timing>
+    <p:tnLst>
+      <p:par>
+        <p:cTn id="1" dur="indefinite" restart="never" nodeType="tmRoot"/>
+      </p:par>
+    </p:tnLst>
+  </p:timing>
 </p:sld>
 </file>
 
@@ -13733,40 +13765,11 @@
               <a:rPr lang="pt-PT" sz="2800" dirty="0" smtClean="0"/>
               <a:t>Permite receber dados do servidor.</a:t>
             </a:r>
-            <a:endParaRPr lang="pt-PT" sz="2800" dirty="0" smtClean="0"/>
           </a:p>
           <a:p>
             <a:r>
               <a:rPr lang="pt-PT" sz="2800" dirty="0" smtClean="0"/>
-              <a:t>Janelas </a:t>
-            </a:r>
-            <a:r>
-              <a:rPr lang="pt-PT" sz="2800" dirty="0" smtClean="0"/>
-              <a:t>de escolhas a funcionar totalmente (Escolha: Escola, Turma, </a:t>
-            </a:r>
-            <a:r>
-              <a:rPr lang="pt-PT" sz="2800" dirty="0" smtClean="0"/>
-              <a:t>Professor, </a:t>
-            </a:r>
-            <a:r>
-              <a:rPr lang="pt-PT" sz="2800" dirty="0" smtClean="0"/>
-              <a:t>Aluno, Disciplina, </a:t>
-            </a:r>
-            <a:r>
-              <a:rPr lang="pt-PT" sz="2800" dirty="0" smtClean="0"/>
-              <a:t>Tipo teste</a:t>
-            </a:r>
-            <a:r>
-              <a:rPr lang="pt-PT" sz="2800" dirty="0" smtClean="0"/>
-              <a:t>); O resultado apresentado das janelas vai depender </a:t>
-            </a:r>
-            <a:r>
-              <a:rPr lang="pt-PT" sz="2800" dirty="0" smtClean="0"/>
-              <a:t>das </a:t>
-            </a:r>
-            <a:r>
-              <a:rPr lang="pt-PT" sz="2800" dirty="0" smtClean="0"/>
-              <a:t>escolhas do Utilizador.</a:t>
+              <a:t>Janelas de escolhas a funcionar totalmente (Escolha: Escola, Turma, Professor, Aluno, Disciplina, Tipo teste); O resultado apresentado das janelas vai depender das escolhas do Utilizador.</a:t>
             </a:r>
           </a:p>
           <a:p>
